--- a/translations/en-us/Project/IPJudging.pptx
+++ b/translations/en-us/Project/IPJudging.pptx
@@ -202,7 +202,7 @@
           <a:p>
             <a:fld id="{A78B980B-A051-5042-A199-B77431CF73D3}" type="datetimeFigureOut">
               <a:rPr lang="en-US" smtClean="0"/>
-              <a:t>5/30/23</a:t>
+              <a:t>8/4/23</a:t>
             </a:fld>
             <a:endParaRPr lang="en-US"/>
           </a:p>
@@ -890,7 +890,7 @@
           <a:p>
             <a:fld id="{977C0F01-0AC5-7849-AD3C-EB3688B759F2}" type="datetime1">
               <a:rPr lang="en-US" smtClean="0"/>
-              <a:t>5/30/23</a:t>
+              <a:t>8/4/23</a:t>
             </a:fld>
             <a:endParaRPr lang="en-US" dirty="0"/>
           </a:p>
@@ -1200,7 +1200,7 @@
           <a:p>
             <a:fld id="{35EC7110-C2C4-6047-8E15-50DCAE7F24AB}" type="datetime1">
               <a:rPr lang="en-US" smtClean="0"/>
-              <a:t>5/30/23</a:t>
+              <a:t>8/4/23</a:t>
             </a:fld>
             <a:endParaRPr lang="en-US" dirty="0"/>
           </a:p>
@@ -1458,7 +1458,7 @@
           <a:p>
             <a:fld id="{C9B8E841-54A6-C242-8B49-502EFD9020BB}" type="datetime1">
               <a:rPr lang="en-US" smtClean="0"/>
-              <a:t>5/30/23</a:t>
+              <a:t>8/4/23</a:t>
             </a:fld>
             <a:endParaRPr lang="en-US" dirty="0"/>
           </a:p>
@@ -1746,7 +1746,7 @@
           <a:p>
             <a:fld id="{B187700D-B43A-5C43-8DB6-F7F7DFB6A9AC}" type="datetime1">
               <a:rPr lang="en-US" smtClean="0"/>
-              <a:t>5/30/23</a:t>
+              <a:t>8/4/23</a:t>
             </a:fld>
             <a:endParaRPr lang="en-US" dirty="0"/>
           </a:p>
@@ -2199,7 +2199,7 @@
             <a:fld id="{B61BEF0D-F0BB-DE4B-95CE-6DB70DBA9567}" type="datetimeFigureOut">
               <a:rPr lang="en-US" smtClean="0"/>
               <a:pPr/>
-              <a:t>5/30/23</a:t>
+              <a:t>8/4/23</a:t>
             </a:fld>
             <a:endParaRPr lang="en-US" dirty="0"/>
           </a:p>
@@ -2756,7 +2756,7 @@
           <a:p>
             <a:fld id="{0080DD86-9A00-DE40-B6B4-648EB03475D5}" type="datetime1">
               <a:rPr lang="en-US" smtClean="0"/>
-              <a:t>5/30/23</a:t>
+              <a:t>8/4/23</a:t>
             </a:fld>
             <a:endParaRPr lang="en-US" dirty="0"/>
           </a:p>
@@ -3205,7 +3205,7 @@
           <a:p>
             <a:fld id="{35E16074-BB09-3A4C-9B68-0306841F3C14}" type="datetime1">
               <a:rPr lang="en-US" smtClean="0"/>
-              <a:t>5/30/23</a:t>
+              <a:t>8/4/23</a:t>
             </a:fld>
             <a:endParaRPr lang="en-US" dirty="0"/>
           </a:p>
@@ -3390,7 +3390,7 @@
           <a:p>
             <a:fld id="{FBAB68D4-DD00-5B4A-953E-A95715C3C5C8}" type="datetime1">
               <a:rPr lang="en-US" smtClean="0"/>
-              <a:t>5/30/23</a:t>
+              <a:t>8/4/23</a:t>
             </a:fld>
             <a:endParaRPr lang="en-US" dirty="0"/>
           </a:p>
@@ -3513,7 +3513,7 @@
           <a:p>
             <a:fld id="{C5A768DF-EA0C-2C4F-AE9A-D4BC0A19F6D3}" type="datetime1">
               <a:rPr lang="en-US" smtClean="0"/>
-              <a:t>5/30/23</a:t>
+              <a:t>8/4/23</a:t>
             </a:fld>
             <a:endParaRPr lang="en-US" dirty="0"/>
           </a:p>
@@ -3919,7 +3919,7 @@
           <a:p>
             <a:fld id="{D3CE48C2-5D8B-E94E-904F-F32B495A5318}" type="datetime1">
               <a:rPr lang="en-US" smtClean="0"/>
-              <a:t>5/30/23</a:t>
+              <a:t>8/4/23</a:t>
             </a:fld>
             <a:endParaRPr lang="en-US" dirty="0"/>
           </a:p>
@@ -4236,7 +4236,7 @@
           <a:p>
             <a:fld id="{5F3C4D8B-A2D6-354D-BEC6-7B08ED6E1A50}" type="datetime1">
               <a:rPr lang="en-US" smtClean="0"/>
-              <a:t>5/30/23</a:t>
+              <a:t>8/4/23</a:t>
             </a:fld>
             <a:endParaRPr lang="en-US" dirty="0"/>
           </a:p>
@@ -4587,7 +4587,7 @@
           <a:p>
             <a:fld id="{69B7D325-FD98-1047-83FD-8445E02BD991}" type="datetime1">
               <a:rPr lang="en-US" smtClean="0"/>
-              <a:t>5/30/23</a:t>
+              <a:t>8/4/23</a:t>
             </a:fld>
             <a:endParaRPr lang="en-US" dirty="0"/>
           </a:p>
@@ -5476,10 +5476,10 @@
       </p:sp>
       <p:pic>
         <p:nvPicPr>
-          <p:cNvPr id="7" name="Picture 6" descr="A picture containing text, screenshot, number, font&#10;&#10;Description automatically generated">
+          <p:cNvPr id="8" name="Picture 7" descr="A blue and white survey&#10;&#10;Description automatically generated">
             <a:extLst>
               <a:ext uri="{FF2B5EF4-FFF2-40B4-BE49-F238E27FC236}">
-                <a16:creationId xmlns:a16="http://schemas.microsoft.com/office/drawing/2014/main" id="{93EA1383-EDE0-CB6A-8C45-84844156DC8D}"/>
+                <a16:creationId xmlns:a16="http://schemas.microsoft.com/office/drawing/2014/main" id="{266D9274-452C-CB46-D328-68DDCED9EC98}"/>
               </a:ext>
             </a:extLst>
           </p:cNvPr>
@@ -5496,8 +5496,8 @@
         </p:blipFill>
         <p:spPr>
           <a:xfrm>
-            <a:off x="4526212" y="1852149"/>
-            <a:ext cx="4044732" cy="3153702"/>
+            <a:off x="4164835" y="1817370"/>
+            <a:ext cx="4690141" cy="3783330"/>
           </a:xfrm>
           <a:prstGeom prst="rect">
             <a:avLst/>

--- a/translations/en-us/Project/IPJudging.pptx
+++ b/translations/en-us/Project/IPJudging.pptx
@@ -202,7 +202,7 @@
           <a:p>
             <a:fld id="{A78B980B-A051-5042-A199-B77431CF73D3}" type="datetimeFigureOut">
               <a:rPr lang="en-US" smtClean="0"/>
-              <a:t>8/4/23</a:t>
+              <a:t>8/5/24</a:t>
             </a:fld>
             <a:endParaRPr lang="en-US"/>
           </a:p>
@@ -888,9 +888,9 @@
             </a:lvl1pPr>
           </a:lstStyle>
           <a:p>
-            <a:fld id="{977C0F01-0AC5-7849-AD3C-EB3688B759F2}" type="datetime1">
+            <a:fld id="{A7441C07-E356-1943-BE88-4C405BBD2DAA}" type="datetime1">
               <a:rPr lang="en-US" smtClean="0"/>
-              <a:t>8/4/23</a:t>
+              <a:t>8/5/24</a:t>
             </a:fld>
             <a:endParaRPr lang="en-US" dirty="0"/>
           </a:p>
@@ -932,7 +932,7 @@
           <a:p>
             <a:r>
               <a:rPr lang="en-US"/>
-              <a:t>© 2023,FLLTutorials.com (Last Edit 05/30/2023)</a:t>
+              <a:t>© 2023,FLLTutorials.com (Last Edit 08/06/2024)</a:t>
             </a:r>
             <a:endParaRPr lang="en-US" dirty="0"/>
           </a:p>
@@ -1198,9 +1198,9 @@
           <a:bodyPr/>
           <a:lstStyle/>
           <a:p>
-            <a:fld id="{35EC7110-C2C4-6047-8E15-50DCAE7F24AB}" type="datetime1">
+            <a:fld id="{898D22C1-E1A8-F146-B890-99C002355C78}" type="datetime1">
               <a:rPr lang="en-US" smtClean="0"/>
-              <a:t>8/4/23</a:t>
+              <a:t>8/5/24</a:t>
             </a:fld>
             <a:endParaRPr lang="en-US" dirty="0"/>
           </a:p>
@@ -1231,7 +1231,7 @@
           <a:p>
             <a:r>
               <a:rPr lang="en-US"/>
-              <a:t>© 2023,FLLTutorials.com (Last Edit 05/30/2023)</a:t>
+              <a:t>© 2023,FLLTutorials.com (Last Edit 08/06/2024)</a:t>
             </a:r>
             <a:endParaRPr lang="en-US" dirty="0"/>
           </a:p>
@@ -1456,9 +1456,9 @@
             </a:lvl1pPr>
           </a:lstStyle>
           <a:p>
-            <a:fld id="{C9B8E841-54A6-C242-8B49-502EFD9020BB}" type="datetime1">
+            <a:fld id="{6E3E9F62-288B-3841-9899-6F72D1773EB8}" type="datetime1">
               <a:rPr lang="en-US" smtClean="0"/>
-              <a:t>8/4/23</a:t>
+              <a:t>8/5/24</a:t>
             </a:fld>
             <a:endParaRPr lang="en-US" dirty="0"/>
           </a:p>
@@ -1489,7 +1489,7 @@
           <a:p>
             <a:r>
               <a:rPr lang="en-US"/>
-              <a:t>© 2023,FLLTutorials.com (Last Edit 05/30/2023)</a:t>
+              <a:t>© 2023,FLLTutorials.com (Last Edit 08/06/2024)</a:t>
             </a:r>
             <a:endParaRPr lang="en-US" dirty="0"/>
           </a:p>
@@ -1744,9 +1744,9 @@
             </a:lvl1pPr>
           </a:lstStyle>
           <a:p>
-            <a:fld id="{B187700D-B43A-5C43-8DB6-F7F7DFB6A9AC}" type="datetime1">
+            <a:fld id="{AD81ACFF-1FEF-B44E-B8ED-70F654750245}" type="datetime1">
               <a:rPr lang="en-US" smtClean="0"/>
-              <a:t>8/4/23</a:t>
+              <a:t>8/5/24</a:t>
             </a:fld>
             <a:endParaRPr lang="en-US" dirty="0"/>
           </a:p>
@@ -1791,7 +1791,7 @@
           <a:p>
             <a:r>
               <a:rPr lang="en-US"/>
-              <a:t>© 2023,FLLTutorials.com (Last Edit 05/30/2023)</a:t>
+              <a:t>© 2023,FLLTutorials.com (Last Edit 08/06/2024)</a:t>
             </a:r>
             <a:endParaRPr lang="en-US" dirty="0"/>
           </a:p>
@@ -2199,7 +2199,7 @@
             <a:fld id="{B61BEF0D-F0BB-DE4B-95CE-6DB70DBA9567}" type="datetimeFigureOut">
               <a:rPr lang="en-US" smtClean="0"/>
               <a:pPr/>
-              <a:t>8/4/23</a:t>
+              <a:t>8/5/24</a:t>
             </a:fld>
             <a:endParaRPr lang="en-US" dirty="0"/>
           </a:p>
@@ -2754,9 +2754,9 @@
           <a:bodyPr/>
           <a:lstStyle/>
           <a:p>
-            <a:fld id="{0080DD86-9A00-DE40-B6B4-648EB03475D5}" type="datetime1">
+            <a:fld id="{7F8D0499-4B8C-5342-872D-C048868A3731}" type="datetime1">
               <a:rPr lang="en-US" smtClean="0"/>
-              <a:t>8/4/23</a:t>
+              <a:t>8/5/24</a:t>
             </a:fld>
             <a:endParaRPr lang="en-US" dirty="0"/>
           </a:p>
@@ -2787,7 +2787,7 @@
           <a:p>
             <a:r>
               <a:rPr lang="en-US"/>
-              <a:t>© 2023,FLLTutorials.com (Last Edit 05/30/2023)</a:t>
+              <a:t>© 2023,FLLTutorials.com (Last Edit 08/06/2024)</a:t>
             </a:r>
             <a:endParaRPr lang="en-US" dirty="0"/>
           </a:p>
@@ -3203,9 +3203,9 @@
           <a:bodyPr/>
           <a:lstStyle/>
           <a:p>
-            <a:fld id="{35E16074-BB09-3A4C-9B68-0306841F3C14}" type="datetime1">
+            <a:fld id="{941F99AD-32D6-9541-B840-C2CE1CFC4503}" type="datetime1">
               <a:rPr lang="en-US" smtClean="0"/>
-              <a:t>8/4/23</a:t>
+              <a:t>8/5/24</a:t>
             </a:fld>
             <a:endParaRPr lang="en-US" dirty="0"/>
           </a:p>
@@ -3236,7 +3236,7 @@
           <a:p>
             <a:r>
               <a:rPr lang="en-US"/>
-              <a:t>© 2023,FLLTutorials.com (Last Edit 05/30/2023)</a:t>
+              <a:t>© 2023,FLLTutorials.com (Last Edit 08/06/2024)</a:t>
             </a:r>
             <a:endParaRPr lang="en-US" dirty="0"/>
           </a:p>
@@ -3388,9 +3388,9 @@
           <a:bodyPr/>
           <a:lstStyle/>
           <a:p>
-            <a:fld id="{FBAB68D4-DD00-5B4A-953E-A95715C3C5C8}" type="datetime1">
+            <a:fld id="{EE248DB6-444F-9941-908B-14F7F1D76615}" type="datetime1">
               <a:rPr lang="en-US" smtClean="0"/>
-              <a:t>8/4/23</a:t>
+              <a:t>8/5/24</a:t>
             </a:fld>
             <a:endParaRPr lang="en-US" dirty="0"/>
           </a:p>
@@ -3421,7 +3421,7 @@
           <a:p>
             <a:r>
               <a:rPr lang="en-US"/>
-              <a:t>© 2023,FLLTutorials.com (Last Edit 05/30/2023)</a:t>
+              <a:t>© 2023,FLLTutorials.com (Last Edit 08/06/2024)</a:t>
             </a:r>
             <a:endParaRPr lang="en-US" dirty="0"/>
           </a:p>
@@ -3511,9 +3511,9 @@
           <a:bodyPr/>
           <a:lstStyle/>
           <a:p>
-            <a:fld id="{C5A768DF-EA0C-2C4F-AE9A-D4BC0A19F6D3}" type="datetime1">
+            <a:fld id="{121CB745-5BDA-FB45-88A7-8C4C47EDF9C9}" type="datetime1">
               <a:rPr lang="en-US" smtClean="0"/>
-              <a:t>8/4/23</a:t>
+              <a:t>8/5/24</a:t>
             </a:fld>
             <a:endParaRPr lang="en-US" dirty="0"/>
           </a:p>
@@ -3544,7 +3544,7 @@
           <a:p>
             <a:r>
               <a:rPr lang="en-US"/>
-              <a:t>© 2023,FLLTutorials.com (Last Edit 05/30/2023)</a:t>
+              <a:t>© 2023,FLLTutorials.com (Last Edit 08/06/2024)</a:t>
             </a:r>
             <a:endParaRPr lang="en-US" dirty="0"/>
           </a:p>
@@ -3917,9 +3917,9 @@
             </a:lvl1pPr>
           </a:lstStyle>
           <a:p>
-            <a:fld id="{D3CE48C2-5D8B-E94E-904F-F32B495A5318}" type="datetime1">
+            <a:fld id="{CA0D9F64-7784-BA46-881D-135C823FC1AA}" type="datetime1">
               <a:rPr lang="en-US" smtClean="0"/>
-              <a:t>8/4/23</a:t>
+              <a:t>8/5/24</a:t>
             </a:fld>
             <a:endParaRPr lang="en-US" dirty="0"/>
           </a:p>
@@ -3961,7 +3961,7 @@
           <a:p>
             <a:r>
               <a:rPr lang="en-US"/>
-              <a:t>© 2023,FLLTutorials.com (Last Edit 05/30/2023)</a:t>
+              <a:t>© 2023,FLLTutorials.com (Last Edit 08/06/2024)</a:t>
             </a:r>
             <a:endParaRPr lang="en-US" dirty="0"/>
           </a:p>
@@ -4234,9 +4234,9 @@
           <a:bodyPr/>
           <a:lstStyle/>
           <a:p>
-            <a:fld id="{5F3C4D8B-A2D6-354D-BEC6-7B08ED6E1A50}" type="datetime1">
+            <a:fld id="{C4F6215A-1C1F-1C4D-927A-247E00BE2E62}" type="datetime1">
               <a:rPr lang="en-US" smtClean="0"/>
-              <a:t>8/4/23</a:t>
+              <a:t>8/5/24</a:t>
             </a:fld>
             <a:endParaRPr lang="en-US" dirty="0"/>
           </a:p>
@@ -4267,7 +4267,7 @@
           <a:p>
             <a:r>
               <a:rPr lang="en-US"/>
-              <a:t>© 2023,FLLTutorials.com (Last Edit 05/30/2023)</a:t>
+              <a:t>© 2023,FLLTutorials.com (Last Edit 08/06/2024)</a:t>
             </a:r>
             <a:endParaRPr lang="en-US" dirty="0"/>
           </a:p>
@@ -4585,9 +4585,9 @@
             </a:lvl1pPr>
           </a:lstStyle>
           <a:p>
-            <a:fld id="{69B7D325-FD98-1047-83FD-8445E02BD991}" type="datetime1">
+            <a:fld id="{394F3056-E180-D247-8D08-1352C43FBAAB}" type="datetime1">
               <a:rPr lang="en-US" smtClean="0"/>
-              <a:t>8/4/23</a:t>
+              <a:t>8/5/24</a:t>
             </a:fld>
             <a:endParaRPr lang="en-US" dirty="0"/>
           </a:p>
@@ -4635,7 +4635,7 @@
           <a:p>
             <a:r>
               <a:rPr lang="en-US"/>
-              <a:t>© 2023,FLLTutorials.com (Last Edit 05/30/2023)</a:t>
+              <a:t>© 2023,FLLTutorials.com (Last Edit 08/06/2024)</a:t>
             </a:r>
             <a:endParaRPr lang="en-US" dirty="0"/>
           </a:p>
@@ -5259,7 +5259,7 @@
           <a:p>
             <a:r>
               <a:rPr lang="en-US"/>
-              <a:t>© 2023,FLLTutorials.com (Last Edit 05/30/2023)</a:t>
+              <a:t>© 2023,FLLTutorials.com (Last Edit 08/06/2024)</a:t>
             </a:r>
             <a:endParaRPr lang="en-US" dirty="0"/>
           </a:p>
@@ -5445,7 +5445,7 @@
           <a:p>
             <a:r>
               <a:rPr lang="en-US"/>
-              <a:t>© 2023,FLLTutorials.com (Last Edit 05/30/2023)</a:t>
+              <a:t>© 2023,FLLTutorials.com (Last Edit 08/06/2024)</a:t>
             </a:r>
             <a:endParaRPr lang="en-US" dirty="0"/>
           </a:p>
@@ -5476,10 +5476,10 @@
       </p:sp>
       <p:pic>
         <p:nvPicPr>
-          <p:cNvPr id="8" name="Picture 7" descr="A blue and white survey&#10;&#10;Description automatically generated">
+          <p:cNvPr id="7" name="Picture 6" descr="A survey form with text and images&#10;&#10;Description automatically generated with medium confidence">
             <a:extLst>
               <a:ext uri="{FF2B5EF4-FFF2-40B4-BE49-F238E27FC236}">
-                <a16:creationId xmlns:a16="http://schemas.microsoft.com/office/drawing/2014/main" id="{266D9274-452C-CB46-D328-68DDCED9EC98}"/>
+                <a16:creationId xmlns:a16="http://schemas.microsoft.com/office/drawing/2014/main" id="{E25B337E-F8E6-B290-6FDE-B75796CB367C}"/>
               </a:ext>
             </a:extLst>
           </p:cNvPr>
@@ -5496,8 +5496,8 @@
         </p:blipFill>
         <p:spPr>
           <a:xfrm>
-            <a:off x="4164835" y="1817370"/>
-            <a:ext cx="4690141" cy="3783330"/>
+            <a:off x="4272456" y="1689904"/>
+            <a:ext cx="4530543" cy="3979244"/>
           </a:xfrm>
           <a:prstGeom prst="rect">
             <a:avLst/>
@@ -5712,7 +5712,7 @@
           <a:p>
             <a:r>
               <a:rPr lang="en-US"/>
-              <a:t>© 2023,FLLTutorials.com (Last Edit 05/30/2023)</a:t>
+              <a:t>© 2023,FLLTutorials.com (Last Edit 08/06/2024)</a:t>
             </a:r>
             <a:endParaRPr lang="en-US" dirty="0"/>
           </a:p>
@@ -5881,7 +5881,7 @@
           <a:p>
             <a:r>
               <a:rPr lang="en-US"/>
-              <a:t>© 2023,FLLTutorials.com (Last Edit 05/30/2023)</a:t>
+              <a:t>© 2023,FLLTutorials.com (Last Edit 08/06/2024)</a:t>
             </a:r>
             <a:endParaRPr lang="en-US" dirty="0"/>
           </a:p>
@@ -6045,7 +6045,7 @@
           <a:p>
             <a:r>
               <a:rPr lang="en-US"/>
-              <a:t>© 2023,FLLTutorials.com (Last Edit 05/30/2023)</a:t>
+              <a:t>© 2023,FLLTutorials.com (Last Edit 08/06/2024)</a:t>
             </a:r>
             <a:endParaRPr lang="en-US" dirty="0"/>
           </a:p>
